--- a/MATURAAAAAA/PCTO.pptx
+++ b/MATURAAAAAA/PCTO.pptx
@@ -16,7 +16,7 @@
     <p:sldId id="260" r:id="rId10"/>
     <p:sldId id="261" r:id="rId11"/>
     <p:sldId id="264" r:id="rId12"/>
-    <p:sldId id="262" r:id="rId13"/>
+    <p:sldId id="268" r:id="rId13"/>
   </p:sldIdLst>
   <p:sldSz cx="12192000" cy="6858000"/>
   <p:notesSz cx="6858000" cy="9144000"/>
@@ -272,7 +272,7 @@
           <a:p>
             <a:fld id="{70A3C88B-EC9A-42FA-8B94-345A283B1D88}" type="datetimeFigureOut">
               <a:rPr lang="en-GB" smtClean="0"/>
-              <a:t>26/06/2023</a:t>
+              <a:t>27/06/2023</a:t>
             </a:fld>
             <a:endParaRPr lang="en-GB"/>
           </a:p>
@@ -484,7 +484,7 @@
           <a:p>
             <a:fld id="{70A3C88B-EC9A-42FA-8B94-345A283B1D88}" type="datetimeFigureOut">
               <a:rPr lang="en-GB" smtClean="0"/>
-              <a:t>26/06/2023</a:t>
+              <a:t>27/06/2023</a:t>
             </a:fld>
             <a:endParaRPr lang="en-GB"/>
           </a:p>
@@ -706,7 +706,7 @@
           <a:p>
             <a:fld id="{70A3C88B-EC9A-42FA-8B94-345A283B1D88}" type="datetimeFigureOut">
               <a:rPr lang="en-GB" smtClean="0"/>
-              <a:t>26/06/2023</a:t>
+              <a:t>27/06/2023</a:t>
             </a:fld>
             <a:endParaRPr lang="en-GB"/>
           </a:p>
@@ -918,7 +918,7 @@
           <a:p>
             <a:fld id="{70A3C88B-EC9A-42FA-8B94-345A283B1D88}" type="datetimeFigureOut">
               <a:rPr lang="en-GB" smtClean="0"/>
-              <a:t>26/06/2023</a:t>
+              <a:t>27/06/2023</a:t>
             </a:fld>
             <a:endParaRPr lang="en-GB"/>
           </a:p>
@@ -1206,7 +1206,7 @@
           <a:p>
             <a:fld id="{70A3C88B-EC9A-42FA-8B94-345A283B1D88}" type="datetimeFigureOut">
               <a:rPr lang="en-GB" smtClean="0"/>
-              <a:t>26/06/2023</a:t>
+              <a:t>27/06/2023</a:t>
             </a:fld>
             <a:endParaRPr lang="en-GB"/>
           </a:p>
@@ -1486,7 +1486,7 @@
           <a:p>
             <a:fld id="{70A3C88B-EC9A-42FA-8B94-345A283B1D88}" type="datetimeFigureOut">
               <a:rPr lang="en-GB" smtClean="0"/>
-              <a:t>26/06/2023</a:t>
+              <a:t>27/06/2023</a:t>
             </a:fld>
             <a:endParaRPr lang="en-GB"/>
           </a:p>
@@ -1913,7 +1913,7 @@
           <a:p>
             <a:fld id="{70A3C88B-EC9A-42FA-8B94-345A283B1D88}" type="datetimeFigureOut">
               <a:rPr lang="en-GB" smtClean="0"/>
-              <a:t>26/06/2023</a:t>
+              <a:t>27/06/2023</a:t>
             </a:fld>
             <a:endParaRPr lang="en-GB"/>
           </a:p>
@@ -2067,7 +2067,7 @@
           <a:p>
             <a:fld id="{70A3C88B-EC9A-42FA-8B94-345A283B1D88}" type="datetimeFigureOut">
               <a:rPr lang="en-GB" smtClean="0"/>
-              <a:t>26/06/2023</a:t>
+              <a:t>27/06/2023</a:t>
             </a:fld>
             <a:endParaRPr lang="en-GB"/>
           </a:p>
@@ -2192,7 +2192,7 @@
           <a:p>
             <a:fld id="{70A3C88B-EC9A-42FA-8B94-345A283B1D88}" type="datetimeFigureOut">
               <a:rPr lang="en-GB" smtClean="0"/>
-              <a:t>26/06/2023</a:t>
+              <a:t>27/06/2023</a:t>
             </a:fld>
             <a:endParaRPr lang="en-GB"/>
           </a:p>
@@ -2517,7 +2517,7 @@
           <a:p>
             <a:fld id="{70A3C88B-EC9A-42FA-8B94-345A283B1D88}" type="datetimeFigureOut">
               <a:rPr lang="en-GB" smtClean="0"/>
-              <a:t>26/06/2023</a:t>
+              <a:t>27/06/2023</a:t>
             </a:fld>
             <a:endParaRPr lang="en-GB"/>
           </a:p>
@@ -2818,7 +2818,7 @@
           <a:p>
             <a:fld id="{70A3C88B-EC9A-42FA-8B94-345A283B1D88}" type="datetimeFigureOut">
               <a:rPr lang="en-GB" smtClean="0"/>
-              <a:t>26/06/2023</a:t>
+              <a:t>27/06/2023</a:t>
             </a:fld>
             <a:endParaRPr lang="en-GB"/>
           </a:p>
@@ -3076,7 +3076,7 @@
           <a:p>
             <a:fld id="{70A3C88B-EC9A-42FA-8B94-345A283B1D88}" type="datetimeFigureOut">
               <a:rPr lang="en-GB" smtClean="0"/>
-              <a:t>26/06/2023</a:t>
+              <a:t>27/06/2023</a:t>
             </a:fld>
             <a:endParaRPr lang="en-GB"/>
           </a:p>
@@ -4002,6 +4002,55 @@
           </a:p>
         </p:txBody>
       </p:sp>
+      <p:sp>
+        <p:nvSpPr>
+          <p:cNvPr id="5" name="Diagram poteka: proces 4">
+            <a:extLst>
+              <a:ext uri="{FF2B5EF4-FFF2-40B4-BE49-F238E27FC236}">
+                <a16:creationId xmlns:a16="http://schemas.microsoft.com/office/drawing/2014/main" id="{BB4C279D-753C-43A6-9CFE-8CBADB997FE5}"/>
+              </a:ext>
+            </a:extLst>
+          </p:cNvPr>
+          <p:cNvSpPr/>
+          <p:nvPr/>
+        </p:nvSpPr>
+        <p:spPr>
+          <a:xfrm>
+            <a:off x="244434" y="-602458"/>
+            <a:ext cx="593766" cy="570016"/>
+          </a:xfrm>
+          <a:prstGeom prst="flowChartProcess">
+            <a:avLst/>
+          </a:prstGeom>
+          <a:ln>
+            <a:noFill/>
+          </a:ln>
+        </p:spPr>
+        <p:style>
+          <a:lnRef idx="2">
+            <a:schemeClr val="accent6">
+              <a:shade val="50000"/>
+            </a:schemeClr>
+          </a:lnRef>
+          <a:fillRef idx="1">
+            <a:schemeClr val="accent6"/>
+          </a:fillRef>
+          <a:effectRef idx="0">
+            <a:schemeClr val="accent6"/>
+          </a:effectRef>
+          <a:fontRef idx="minor">
+            <a:schemeClr val="lt1"/>
+          </a:fontRef>
+        </p:style>
+        <p:txBody>
+          <a:bodyPr rtlCol="0" anchor="ctr"/>
+          <a:lstStyle/>
+          <a:p>
+            <a:pPr algn="ctr"/>
+            <a:endParaRPr lang="en-GB"/>
+          </a:p>
+        </p:txBody>
+      </p:sp>
     </p:spTree>
     <p:extLst>
       <p:ext uri="{BB962C8B-B14F-4D97-AF65-F5344CB8AC3E}">
@@ -4024,6 +4073,82 @@
       </p:transition>
     </mc:Fallback>
   </mc:AlternateContent>
+  <p:timing>
+    <p:tnLst>
+      <p:par>
+        <p:cTn id="1" dur="indefinite" restart="never" nodeType="tmRoot">
+          <p:childTnLst>
+            <p:seq concurrent="1" nextAc="seek">
+              <p:cTn id="2" dur="indefinite" nodeType="mainSeq">
+                <p:childTnLst>
+                  <p:par>
+                    <p:cTn id="3" fill="hold">
+                      <p:stCondLst>
+                        <p:cond delay="indefinite"/>
+                        <p:cond evt="onBegin" delay="0">
+                          <p:tn val="2"/>
+                        </p:cond>
+                      </p:stCondLst>
+                      <p:childTnLst>
+                        <p:par>
+                          <p:cTn id="4" fill="hold">
+                            <p:stCondLst>
+                              <p:cond delay="0"/>
+                            </p:stCondLst>
+                            <p:childTnLst>
+                              <p:par>
+                                <p:cTn id="5" presetID="42" presetClass="path" presetSubtype="0" accel="50000" decel="50000" fill="hold" grpId="0" nodeType="withEffect">
+                                  <p:stCondLst>
+                                    <p:cond delay="0"/>
+                                  </p:stCondLst>
+                                  <p:childTnLst>
+                                    <p:animMotion origin="layout" path="M -1.04167E-6 -3.7037E-6 L -0.00078 0.19329 " pathEditMode="relative" rAng="0" ptsTypes="AA">
+                                      <p:cBhvr>
+                                        <p:cTn id="6" dur="1000" fill="hold"/>
+                                        <p:tgtEl>
+                                          <p:spTgt spid="5"/>
+                                        </p:tgtEl>
+                                        <p:attrNameLst>
+                                          <p:attrName>ppt_x</p:attrName>
+                                          <p:attrName>ppt_y</p:attrName>
+                                        </p:attrNameLst>
+                                      </p:cBhvr>
+                                      <p:rCtr x="-39" y="9653"/>
+                                    </p:animMotion>
+                                  </p:childTnLst>
+                                </p:cTn>
+                              </p:par>
+                            </p:childTnLst>
+                          </p:cTn>
+                        </p:par>
+                      </p:childTnLst>
+                    </p:cTn>
+                  </p:par>
+                </p:childTnLst>
+              </p:cTn>
+              <p:prevCondLst>
+                <p:cond evt="onPrev" delay="0">
+                  <p:tgtEl>
+                    <p:sldTgt/>
+                  </p:tgtEl>
+                </p:cond>
+              </p:prevCondLst>
+              <p:nextCondLst>
+                <p:cond evt="onNext" delay="0">
+                  <p:tgtEl>
+                    <p:sldTgt/>
+                  </p:tgtEl>
+                </p:cond>
+              </p:nextCondLst>
+            </p:seq>
+          </p:childTnLst>
+        </p:cTn>
+      </p:par>
+    </p:tnLst>
+    <p:bldLst>
+      <p:bldP spid="5" grpId="0" animBg="1"/>
+    </p:bldLst>
+  </p:timing>
 </p:sld>
 </file>
 
@@ -4132,6 +4257,55 @@
           </a:p>
         </p:txBody>
       </p:sp>
+      <p:sp>
+        <p:nvSpPr>
+          <p:cNvPr id="6" name="Diagram poteka: proces 5">
+            <a:extLst>
+              <a:ext uri="{FF2B5EF4-FFF2-40B4-BE49-F238E27FC236}">
+                <a16:creationId xmlns:a16="http://schemas.microsoft.com/office/drawing/2014/main" id="{7CA3A69E-1953-42A6-A310-D62805D21C67}"/>
+              </a:ext>
+            </a:extLst>
+          </p:cNvPr>
+          <p:cNvSpPr/>
+          <p:nvPr/>
+        </p:nvSpPr>
+        <p:spPr>
+          <a:xfrm>
+            <a:off x="-593766" y="-570016"/>
+            <a:ext cx="593766" cy="570016"/>
+          </a:xfrm>
+          <a:prstGeom prst="flowChartProcess">
+            <a:avLst/>
+          </a:prstGeom>
+          <a:ln>
+            <a:noFill/>
+          </a:ln>
+        </p:spPr>
+        <p:style>
+          <a:lnRef idx="2">
+            <a:schemeClr val="accent6">
+              <a:shade val="50000"/>
+            </a:schemeClr>
+          </a:lnRef>
+          <a:fillRef idx="1">
+            <a:schemeClr val="accent6"/>
+          </a:fillRef>
+          <a:effectRef idx="0">
+            <a:schemeClr val="accent6"/>
+          </a:effectRef>
+          <a:fontRef idx="minor">
+            <a:schemeClr val="lt1"/>
+          </a:fontRef>
+        </p:style>
+        <p:txBody>
+          <a:bodyPr rtlCol="0" anchor="ctr"/>
+          <a:lstStyle/>
+          <a:p>
+            <a:pPr algn="ctr"/>
+            <a:endParaRPr lang="en-GB"/>
+          </a:p>
+        </p:txBody>
+      </p:sp>
     </p:spTree>
     <p:extLst>
       <p:ext uri="{BB962C8B-B14F-4D97-AF65-F5344CB8AC3E}">
@@ -4154,6 +4328,82 @@
       </p:transition>
     </mc:Fallback>
   </mc:AlternateContent>
+  <p:timing>
+    <p:tnLst>
+      <p:par>
+        <p:cTn id="1" dur="indefinite" restart="never" nodeType="tmRoot">
+          <p:childTnLst>
+            <p:seq concurrent="1" nextAc="seek">
+              <p:cTn id="2" dur="indefinite" nodeType="mainSeq">
+                <p:childTnLst>
+                  <p:par>
+                    <p:cTn id="3" fill="hold">
+                      <p:stCondLst>
+                        <p:cond delay="indefinite"/>
+                        <p:cond evt="onBegin" delay="0">
+                          <p:tn val="2"/>
+                        </p:cond>
+                      </p:stCondLst>
+                      <p:childTnLst>
+                        <p:par>
+                          <p:cTn id="4" fill="hold">
+                            <p:stCondLst>
+                              <p:cond delay="0"/>
+                            </p:stCondLst>
+                            <p:childTnLst>
+                              <p:par>
+                                <p:cTn id="5" presetID="42" presetClass="path" presetSubtype="0" accel="50000" decel="50000" fill="hold" grpId="0" nodeType="withEffect">
+                                  <p:stCondLst>
+                                    <p:cond delay="0"/>
+                                  </p:stCondLst>
+                                  <p:childTnLst>
+                                    <p:animMotion origin="layout" path="M -1.04167E-6 -4.81481E-6 L 0.07435 0.1794 " pathEditMode="relative" rAng="0" ptsTypes="AA">
+                                      <p:cBhvr>
+                                        <p:cTn id="6" dur="1000" fill="hold"/>
+                                        <p:tgtEl>
+                                          <p:spTgt spid="6"/>
+                                        </p:tgtEl>
+                                        <p:attrNameLst>
+                                          <p:attrName>ppt_x</p:attrName>
+                                          <p:attrName>ppt_y</p:attrName>
+                                        </p:attrNameLst>
+                                      </p:cBhvr>
+                                      <p:rCtr x="3711" y="8958"/>
+                                    </p:animMotion>
+                                  </p:childTnLst>
+                                </p:cTn>
+                              </p:par>
+                            </p:childTnLst>
+                          </p:cTn>
+                        </p:par>
+                      </p:childTnLst>
+                    </p:cTn>
+                  </p:par>
+                </p:childTnLst>
+              </p:cTn>
+              <p:prevCondLst>
+                <p:cond evt="onPrev" delay="0">
+                  <p:tgtEl>
+                    <p:sldTgt/>
+                  </p:tgtEl>
+                </p:cond>
+              </p:prevCondLst>
+              <p:nextCondLst>
+                <p:cond evt="onNext" delay="0">
+                  <p:tgtEl>
+                    <p:sldTgt/>
+                  </p:tgtEl>
+                </p:cond>
+              </p:nextCondLst>
+            </p:seq>
+          </p:childTnLst>
+        </p:cTn>
+      </p:par>
+    </p:tnLst>
+    <p:bldLst>
+      <p:bldP spid="6" grpId="0" animBg="1"/>
+    </p:bldLst>
+  </p:timing>
 </p:sld>
 </file>
 
@@ -4372,10 +4622,59 @@
           </p:txBody>
         </p:sp>
       </p:grpSp>
+      <p:sp>
+        <p:nvSpPr>
+          <p:cNvPr id="8" name="Diagram poteka: proces 7">
+            <a:extLst>
+              <a:ext uri="{FF2B5EF4-FFF2-40B4-BE49-F238E27FC236}">
+                <a16:creationId xmlns:a16="http://schemas.microsoft.com/office/drawing/2014/main" id="{77C41CE6-DDC0-4B84-8C89-B2FB12283E67}"/>
+              </a:ext>
+            </a:extLst>
+          </p:cNvPr>
+          <p:cNvSpPr/>
+          <p:nvPr/>
+        </p:nvSpPr>
+        <p:spPr>
+          <a:xfrm>
+            <a:off x="3889043" y="6947778"/>
+            <a:ext cx="593766" cy="570016"/>
+          </a:xfrm>
+          <a:prstGeom prst="flowChartProcess">
+            <a:avLst/>
+          </a:prstGeom>
+          <a:ln>
+            <a:noFill/>
+          </a:ln>
+        </p:spPr>
+        <p:style>
+          <a:lnRef idx="2">
+            <a:schemeClr val="accent6">
+              <a:shade val="50000"/>
+            </a:schemeClr>
+          </a:lnRef>
+          <a:fillRef idx="1">
+            <a:schemeClr val="accent6"/>
+          </a:fillRef>
+          <a:effectRef idx="0">
+            <a:schemeClr val="accent6"/>
+          </a:effectRef>
+          <a:fontRef idx="minor">
+            <a:schemeClr val="lt1"/>
+          </a:fontRef>
+        </p:style>
+        <p:txBody>
+          <a:bodyPr rtlCol="0" anchor="ctr"/>
+          <a:lstStyle/>
+          <a:p>
+            <a:pPr algn="ctr"/>
+            <a:endParaRPr lang="en-GB"/>
+          </a:p>
+        </p:txBody>
+      </p:sp>
     </p:spTree>
     <p:extLst>
       <p:ext uri="{BB962C8B-B14F-4D97-AF65-F5344CB8AC3E}">
-        <p14:creationId xmlns:p14="http://schemas.microsoft.com/office/powerpoint/2010/main" val="1901881067"/>
+        <p14:creationId xmlns:p14="http://schemas.microsoft.com/office/powerpoint/2010/main" val="2097832043"/>
       </p:ext>
     </p:extLst>
   </p:cSld>
@@ -4394,6 +4693,146 @@
       </p:transition>
     </mc:Fallback>
   </mc:AlternateContent>
+  <p:timing>
+    <p:tnLst>
+      <p:par>
+        <p:cTn id="1" dur="indefinite" restart="never" nodeType="tmRoot">
+          <p:childTnLst>
+            <p:seq concurrent="1" nextAc="seek">
+              <p:cTn id="2" dur="indefinite" nodeType="mainSeq">
+                <p:childTnLst>
+                  <p:par>
+                    <p:cTn id="3" fill="hold">
+                      <p:stCondLst>
+                        <p:cond delay="indefinite"/>
+                        <p:cond evt="onBegin" delay="0">
+                          <p:tn val="2"/>
+                        </p:cond>
+                      </p:stCondLst>
+                      <p:childTnLst>
+                        <p:par>
+                          <p:cTn id="4" fill="hold">
+                            <p:stCondLst>
+                              <p:cond delay="0"/>
+                            </p:stCondLst>
+                            <p:childTnLst>
+                              <p:par>
+                                <p:cTn id="5" presetID="42" presetClass="path" presetSubtype="0" accel="50000" decel="50000" fill="hold" grpId="0" nodeType="withEffect">
+                                  <p:stCondLst>
+                                    <p:cond delay="0"/>
+                                  </p:stCondLst>
+                                  <p:childTnLst>
+                                    <p:animMotion origin="layout" path="M 6.25E-7 3.7037E-7 L -0.00026 -0.13426 " pathEditMode="relative" rAng="0" ptsTypes="AA">
+                                      <p:cBhvr>
+                                        <p:cTn id="6" dur="1000" fill="hold"/>
+                                        <p:tgtEl>
+                                          <p:spTgt spid="8"/>
+                                        </p:tgtEl>
+                                        <p:attrNameLst>
+                                          <p:attrName>ppt_x</p:attrName>
+                                          <p:attrName>ppt_y</p:attrName>
+                                        </p:attrNameLst>
+                                      </p:cBhvr>
+                                      <p:rCtr x="-13" y="-6713"/>
+                                    </p:animMotion>
+                                  </p:childTnLst>
+                                </p:cTn>
+                              </p:par>
+                            </p:childTnLst>
+                          </p:cTn>
+                        </p:par>
+                        <p:par>
+                          <p:cTn id="7" fill="hold">
+                            <p:stCondLst>
+                              <p:cond delay="1000"/>
+                            </p:stCondLst>
+                            <p:childTnLst>
+                              <p:par>
+                                <p:cTn id="8" presetID="42" presetClass="path" presetSubtype="0" accel="50000" decel="50000" fill="hold" grpId="1" nodeType="afterEffect">
+                                  <p:stCondLst>
+                                    <p:cond delay="0"/>
+                                  </p:stCondLst>
+                                  <p:childTnLst>
+                                    <p:animMotion origin="layout" path="M -0.00026 -0.13426 L 0.3099 -0.13426 " pathEditMode="relative" rAng="0" ptsTypes="AA">
+                                      <p:cBhvr>
+                                        <p:cTn id="9" dur="2000" fill="hold"/>
+                                        <p:tgtEl>
+                                          <p:spTgt spid="8"/>
+                                        </p:tgtEl>
+                                        <p:attrNameLst>
+                                          <p:attrName>ppt_x</p:attrName>
+                                          <p:attrName>ppt_y</p:attrName>
+                                        </p:attrNameLst>
+                                      </p:cBhvr>
+                                      <p:rCtr x="15508" y="0"/>
+                                    </p:animMotion>
+                                  </p:childTnLst>
+                                </p:cTn>
+                              </p:par>
+                            </p:childTnLst>
+                          </p:cTn>
+                        </p:par>
+                        <p:par>
+                          <p:cTn id="10" fill="hold">
+                            <p:stCondLst>
+                              <p:cond delay="3000"/>
+                            </p:stCondLst>
+                            <p:childTnLst>
+                              <p:par>
+                                <p:cTn id="11" presetID="42" presetClass="path" presetSubtype="0" accel="50000" decel="50000" fill="hold" grpId="2" nodeType="afterEffect">
+                                  <p:stCondLst>
+                                    <p:cond delay="0"/>
+                                  </p:stCondLst>
+                                  <p:childTnLst>
+                                    <p:animMotion origin="layout" path="M 0.31094 -0.13426 L 0.00078 -0.13426 " pathEditMode="relative" rAng="0" ptsTypes="AA">
+                                      <p:cBhvr>
+                                        <p:cTn id="12" dur="2000" fill="hold"/>
+                                        <p:tgtEl>
+                                          <p:spTgt spid="8"/>
+                                        </p:tgtEl>
+                                        <p:attrNameLst>
+                                          <p:attrName>ppt_x</p:attrName>
+                                          <p:attrName>ppt_y</p:attrName>
+                                        </p:attrNameLst>
+                                      </p:cBhvr>
+                                      <p:rCtr x="-15508" y="0"/>
+                                    </p:animMotion>
+                                  </p:childTnLst>
+                                </p:cTn>
+                              </p:par>
+                            </p:childTnLst>
+                          </p:cTn>
+                        </p:par>
+                      </p:childTnLst>
+                    </p:cTn>
+                  </p:par>
+                </p:childTnLst>
+              </p:cTn>
+              <p:prevCondLst>
+                <p:cond evt="onPrev" delay="0">
+                  <p:tgtEl>
+                    <p:sldTgt/>
+                  </p:tgtEl>
+                </p:cond>
+              </p:prevCondLst>
+              <p:nextCondLst>
+                <p:cond evt="onNext" delay="0">
+                  <p:tgtEl>
+                    <p:sldTgt/>
+                  </p:tgtEl>
+                </p:cond>
+              </p:nextCondLst>
+            </p:seq>
+          </p:childTnLst>
+        </p:cTn>
+      </p:par>
+    </p:tnLst>
+    <p:bldLst>
+      <p:bldP spid="8" grpId="0" animBg="1"/>
+      <p:bldP spid="8" grpId="1" animBg="1"/>
+      <p:bldP spid="8" grpId="2" animBg="1"/>
+    </p:bldLst>
+  </p:timing>
 </p:sld>
 </file>
 
@@ -4606,7 +5045,7 @@
                                   <p:childTnLst>
                                     <p:animMotion origin="layout" path="M 4.375E-6 0 L 0.81575 0 " pathEditMode="relative" rAng="0" ptsTypes="AA">
                                       <p:cBhvr>
-                                        <p:cTn id="6" dur="1500" fill="hold"/>
+                                        <p:cTn id="6" dur="1000" fill="hold"/>
                                         <p:tgtEl>
                                           <p:spTgt spid="5"/>
                                         </p:tgtEl>
